--- a/無心道快速开发演示文稿.pptx
+++ b/無心道快速开发演示文稿.pptx
@@ -27,11 +27,12 @@
     <p:sldId id="277" r:id="rId22"/>
     <p:sldId id="278" r:id="rId23"/>
     <p:sldId id="279" r:id="rId24"/>
+    <p:sldId id="280" r:id="rId25"/>
   </p:sldIdLst>
   <p:sldSz cx="12192000" cy="6858000"/>
   <p:notesSz cx="6858000" cy="9144000"/>
   <p:custDataLst>
-    <p:tags r:id="rId28"/>
+    <p:tags r:id="rId29"/>
   </p:custDataLst>
   <p:defaultTextStyle>
     <a:defPPr>
@@ -6076,6 +6077,165 @@
 </p:sld>
 </file>
 
+<file path=ppt/slides/slide23.xml><?xml version="1.0" encoding="utf-8"?>
+<p:sld xmlns:a="http://schemas.openxmlformats.org/drawingml/2006/main" xmlns:r="http://schemas.openxmlformats.org/officeDocument/2006/relationships" xmlns:p="http://schemas.openxmlformats.org/presentationml/2006/main">
+  <p:cSld>
+    <p:spTree>
+      <p:nvGrpSpPr>
+        <p:cNvPr id="1" name=""/>
+        <p:cNvGrpSpPr/>
+        <p:nvPr/>
+      </p:nvGrpSpPr>
+      <p:grpSpPr/>
+      <p:sp>
+        <p:nvSpPr>
+          <p:cNvPr id="2" name="标题 1"/>
+          <p:cNvSpPr>
+            <a:spLocks noGrp="1"/>
+          </p:cNvSpPr>
+          <p:nvPr>
+            <p:ph type="title"/>
+          </p:nvPr>
+        </p:nvSpPr>
+        <p:spPr>
+          <a:xfrm>
+            <a:off x="838200" y="365125"/>
+            <a:ext cx="10515600" cy="845185"/>
+          </a:xfrm>
+        </p:spPr>
+        <p:txBody>
+          <a:bodyPr/>
+          <a:p>
+            <a:r>
+              <a:rPr lang="zh-CN" altLang="en-US"/>
+              <a:t>無心道</a:t>
+            </a:r>
+            <a:r>
+              <a:rPr lang="en-US" altLang="zh-CN"/>
+              <a:t>-021-</a:t>
+            </a:r>
+            <a:r>
+              <a:rPr lang="zh-CN" altLang="en-US"/>
+              <a:t>背包</a:t>
+            </a:r>
+            <a:r>
+              <a:rPr lang="zh-CN" altLang="en-US"/>
+              <a:t>系统</a:t>
+            </a:r>
+            <a:endParaRPr lang="zh-CN" altLang="en-US"/>
+          </a:p>
+        </p:txBody>
+      </p:sp>
+      <p:sp>
+        <p:nvSpPr>
+          <p:cNvPr id="3" name="文本框 2"/>
+          <p:cNvSpPr txBox="1"/>
+          <p:nvPr/>
+        </p:nvSpPr>
+        <p:spPr>
+          <a:xfrm>
+            <a:off x="1177290" y="1619250"/>
+            <a:ext cx="9047480" cy="4365625"/>
+          </a:xfrm>
+          <a:prstGeom prst="rect">
+            <a:avLst/>
+          </a:prstGeom>
+          <a:noFill/>
+        </p:spPr>
+        <p:txBody>
+          <a:bodyPr wrap="square" rtlCol="0">
+            <a:noAutofit/>
+          </a:bodyPr>
+          <a:p>
+            <a:r>
+              <a:rPr lang="zh-CN" altLang="en-US"/>
+              <a:t>道具</a:t>
+            </a:r>
+            <a:r>
+              <a:rPr lang="zh-CN" altLang="en-US"/>
+              <a:t>添加</a:t>
+            </a:r>
+            <a:endParaRPr lang="zh-CN" altLang="en-US"/>
+          </a:p>
+          <a:p>
+            <a:endParaRPr lang="zh-CN" altLang="en-US"/>
+          </a:p>
+          <a:p>
+            <a:r>
+              <a:rPr lang="zh-CN" altLang="en-US"/>
+              <a:t>入包道具（比如武器，鞋子，强化石</a:t>
+            </a:r>
+            <a:r>
+              <a:rPr lang="zh-CN" altLang="en-US"/>
+              <a:t>等），非入包道具（比如货币，经验，</a:t>
+            </a:r>
+            <a:r>
+              <a:rPr lang="zh-CN" altLang="en-US"/>
+              <a:t>体力）</a:t>
+            </a:r>
+            <a:endParaRPr lang="zh-CN" altLang="en-US"/>
+          </a:p>
+          <a:p>
+            <a:endParaRPr lang="zh-CN" altLang="en-US"/>
+          </a:p>
+          <a:p>
+            <a:r>
+              <a:rPr lang="zh-CN" altLang="en-US"/>
+              <a:t>道具</a:t>
+            </a:r>
+            <a:r>
+              <a:rPr lang="zh-CN" altLang="en-US"/>
+              <a:t>扣除</a:t>
+            </a:r>
+            <a:endParaRPr lang="zh-CN" altLang="en-US"/>
+          </a:p>
+          <a:p>
+            <a:endParaRPr lang="zh-CN" altLang="en-US"/>
+          </a:p>
+          <a:p>
+            <a:r>
+              <a:rPr lang="zh-CN" altLang="en-US"/>
+              <a:t>包内道具，非包内</a:t>
+            </a:r>
+            <a:r>
+              <a:rPr lang="zh-CN" altLang="en-US"/>
+              <a:t>道具</a:t>
+            </a:r>
+            <a:endParaRPr lang="zh-CN" altLang="en-US"/>
+          </a:p>
+          <a:p>
+            <a:endParaRPr lang="zh-CN" altLang="en-US"/>
+          </a:p>
+          <a:p>
+            <a:endParaRPr lang="zh-CN" altLang="en-US"/>
+          </a:p>
+          <a:p>
+            <a:r>
+              <a:rPr lang="zh-CN" altLang="en-US"/>
+              <a:t>道具流向，日志</a:t>
+            </a:r>
+            <a:r>
+              <a:rPr lang="zh-CN" altLang="en-US"/>
+              <a:t>定位</a:t>
+            </a:r>
+            <a:endParaRPr lang="zh-CN" altLang="en-US"/>
+          </a:p>
+          <a:p>
+            <a:endParaRPr lang="zh-CN" altLang="en-US"/>
+          </a:p>
+          <a:p>
+            <a:endParaRPr lang="zh-CN" altLang="en-US"/>
+          </a:p>
+        </p:txBody>
+      </p:sp>
+    </p:spTree>
+  </p:cSld>
+  <p:clrMapOvr>
+    <a:masterClrMapping/>
+  </p:clrMapOvr>
+</p:sld>
+</file>
+
 <file path=ppt/slides/slide3.xml><?xml version="1.0" encoding="utf-8"?>
 <p:sld xmlns:a="http://schemas.openxmlformats.org/drawingml/2006/main" xmlns:r="http://schemas.openxmlformats.org/officeDocument/2006/relationships" xmlns:p="http://schemas.openxmlformats.org/presentationml/2006/main">
   <p:cSld>
